--- a/files/teaching-resources/monmouthcollege-econ-301/econ-301-quiz/ECON301-S2025-Q01-RECAP.pptx
+++ b/files/teaching-resources/monmouthcollege-econ-301/econ-301-quiz/ECON301-S2025-Q01-RECAP.pptx
@@ -212,7 +212,7 @@
           <a:p>
             <a:fld id="{0E0A6441-4E79-42FF-805B-86C90BDFD38D}" type="datetimeFigureOut">
               <a:rPr lang="en-US" smtClean="0"/>
-              <a:t>2/7/2025</a:t>
+              <a:t>2/17/2025</a:t>
             </a:fld>
             <a:endParaRPr lang="en-US" dirty="0"/>
           </a:p>
@@ -8230,7 +8230,7 @@
           <p:spPr>
             <a:xfrm>
               <a:off x="5879334" y="6115849"/>
-              <a:ext cx="772969" cy="307777"/>
+              <a:ext cx="708848" cy="307777"/>
             </a:xfrm>
             <a:prstGeom prst="rect">
               <a:avLst/>
@@ -8245,13 +8245,13 @@
             <a:p>
               <a:r>
                 <a:rPr lang="en-US" sz="1400" dirty="0"/>
-                <a:t>Income</a:t>
+                <a:t>Output</a:t>
               </a:r>
             </a:p>
           </p:txBody>
         </p:sp>
-        <mc:AlternateContent xmlns:mc="http://schemas.openxmlformats.org/markup-compatibility/2006">
-          <mc:Choice xmlns:a14="http://schemas.microsoft.com/office/drawing/2010/main" Requires="a14">
+        <mc:AlternateContent xmlns:mc="http://schemas.openxmlformats.org/markup-compatibility/2006" xmlns:a14="http://schemas.microsoft.com/office/drawing/2010/main">
+          <mc:Choice Requires="a14">
             <p:sp>
               <p:nvSpPr>
                 <p:cNvPr id="14" name="TextBox 13">
@@ -8314,7 +8314,7 @@
               </p:txBody>
             </p:sp>
           </mc:Choice>
-          <mc:Fallback>
+          <mc:Fallback xmlns="">
             <p:sp>
               <p:nvSpPr>
                 <p:cNvPr id="14" name="TextBox 13">
@@ -8359,8 +8359,8 @@
             </p:sp>
           </mc:Fallback>
         </mc:AlternateContent>
-        <mc:AlternateContent xmlns:mc="http://schemas.openxmlformats.org/markup-compatibility/2006">
-          <mc:Choice xmlns:a14="http://schemas.microsoft.com/office/drawing/2010/main" Requires="a14">
+        <mc:AlternateContent xmlns:mc="http://schemas.openxmlformats.org/markup-compatibility/2006" xmlns:a14="http://schemas.microsoft.com/office/drawing/2010/main">
+          <mc:Choice Requires="a14">
             <p:sp>
               <p:nvSpPr>
                 <p:cNvPr id="15" name="TextBox 14">
@@ -8447,7 +8447,7 @@
               </p:txBody>
             </p:sp>
           </mc:Choice>
-          <mc:Fallback>
+          <mc:Fallback xmlns="">
             <p:sp>
               <p:nvSpPr>
                 <p:cNvPr id="15" name="TextBox 14">
@@ -8492,8 +8492,8 @@
             </p:sp>
           </mc:Fallback>
         </mc:AlternateContent>
-        <mc:AlternateContent xmlns:mc="http://schemas.openxmlformats.org/markup-compatibility/2006">
-          <mc:Choice xmlns:a14="http://schemas.microsoft.com/office/drawing/2010/main" Requires="a14">
+        <mc:AlternateContent xmlns:mc="http://schemas.openxmlformats.org/markup-compatibility/2006" xmlns:a14="http://schemas.microsoft.com/office/drawing/2010/main">
+          <mc:Choice Requires="a14">
             <p:sp>
               <p:nvSpPr>
                 <p:cNvPr id="16" name="TextBox 15">
@@ -8635,7 +8635,7 @@
               </p:txBody>
             </p:sp>
           </mc:Choice>
-          <mc:Fallback>
+          <mc:Fallback xmlns="">
             <p:sp>
               <p:nvSpPr>
                 <p:cNvPr id="16" name="TextBox 15">
@@ -8680,8 +8680,8 @@
             </p:sp>
           </mc:Fallback>
         </mc:AlternateContent>
-        <mc:AlternateContent xmlns:mc="http://schemas.openxmlformats.org/markup-compatibility/2006">
-          <mc:Choice xmlns:a14="http://schemas.microsoft.com/office/drawing/2010/main" Requires="a14">
+        <mc:AlternateContent xmlns:mc="http://schemas.openxmlformats.org/markup-compatibility/2006" xmlns:a14="http://schemas.microsoft.com/office/drawing/2010/main">
+          <mc:Choice Requires="a14">
             <p:sp>
               <p:nvSpPr>
                 <p:cNvPr id="17" name="TextBox 16">
@@ -8792,7 +8792,7 @@
               </p:txBody>
             </p:sp>
           </mc:Choice>
-          <mc:Fallback>
+          <mc:Fallback xmlns="">
             <p:sp>
               <p:nvSpPr>
                 <p:cNvPr id="17" name="TextBox 16">
@@ -8852,7 +8852,7 @@
           <p:spPr>
             <a:xfrm>
               <a:off x="2435716" y="2351581"/>
-              <a:ext cx="734496" cy="307777"/>
+              <a:ext cx="803425" cy="307777"/>
             </a:xfrm>
             <a:prstGeom prst="rect">
               <a:avLst/>
@@ -8867,7 +8867,7 @@
             <a:p>
               <a:r>
                 <a:rPr lang="en-US" sz="1400" dirty="0"/>
-                <a:t>Output</a:t>
+                <a:t>Demand</a:t>
               </a:r>
             </a:p>
           </p:txBody>
@@ -9057,8 +9057,8 @@
             </a:fontRef>
           </p:style>
         </p:cxnSp>
-        <mc:AlternateContent xmlns:mc="http://schemas.openxmlformats.org/markup-compatibility/2006">
-          <mc:Choice xmlns:a14="http://schemas.microsoft.com/office/drawing/2010/main" Requires="a14">
+        <mc:AlternateContent xmlns:mc="http://schemas.openxmlformats.org/markup-compatibility/2006" xmlns:a14="http://schemas.microsoft.com/office/drawing/2010/main">
+          <mc:Choice Requires="a14">
             <p:sp>
               <p:nvSpPr>
                 <p:cNvPr id="23" name="TextBox 22">
@@ -9140,7 +9140,7 @@
               </p:txBody>
             </p:sp>
           </mc:Choice>
-          <mc:Fallback>
+          <mc:Fallback xmlns="">
             <p:sp>
               <p:nvSpPr>
                 <p:cNvPr id="23" name="TextBox 22">
@@ -9185,8 +9185,8 @@
             </p:sp>
           </mc:Fallback>
         </mc:AlternateContent>
-        <mc:AlternateContent xmlns:mc="http://schemas.openxmlformats.org/markup-compatibility/2006">
-          <mc:Choice xmlns:a14="http://schemas.microsoft.com/office/drawing/2010/main" Requires="a14">
+        <mc:AlternateContent xmlns:mc="http://schemas.openxmlformats.org/markup-compatibility/2006" xmlns:a14="http://schemas.microsoft.com/office/drawing/2010/main">
+          <mc:Choice Requires="a14">
             <p:sp>
               <p:nvSpPr>
                 <p:cNvPr id="24" name="TextBox 23">
@@ -9268,7 +9268,7 @@
               </p:txBody>
             </p:sp>
           </mc:Choice>
-          <mc:Fallback>
+          <mc:Fallback xmlns="">
             <p:sp>
               <p:nvSpPr>
                 <p:cNvPr id="24" name="TextBox 23">
